--- a/Level 0/Comlexity.pptx
+++ b/Level 0/Comlexity.pptx
@@ -5,10 +5,10 @@
     <p:sldMasterId id="2147483648" r:id="rId1"/>
   </p:sldMasterIdLst>
   <p:notesMasterIdLst>
-    <p:notesMasterId r:id="rId7"/>
+    <p:notesMasterId r:id="rId8"/>
   </p:notesMasterIdLst>
   <p:handoutMasterIdLst>
-    <p:handoutMasterId r:id="rId8"/>
+    <p:handoutMasterId r:id="rId9"/>
   </p:handoutMasterIdLst>
   <p:sldIdLst>
     <p:sldId id="262" r:id="rId2"/>
@@ -16,6 +16,7 @@
     <p:sldId id="267" r:id="rId4"/>
     <p:sldId id="265" r:id="rId5"/>
     <p:sldId id="266" r:id="rId6"/>
+    <p:sldId id="268" r:id="rId7"/>
   </p:sldIdLst>
   <p:sldSz cx="12192000" cy="6858000"/>
   <p:notesSz cx="6858000" cy="9144000"/>
@@ -216,7 +217,7 @@
           <a:p>
             <a:fld id="{EED35E4C-F3CB-448E-AAC2-A8FDBC6E8200}" type="datetimeFigureOut">
               <a:rPr lang="en-US" smtClean="0"/>
-              <a:t>9/14/2023</a:t>
+              <a:t>9/28/2023</a:t>
             </a:fld>
             <a:endParaRPr lang="en-US"/>
           </a:p>
@@ -394,7 +395,7 @@
           <a:p>
             <a:fld id="{91770BF1-AEE4-480A-9D6B-93722DA4C316}" type="datetimeFigureOut">
               <a:rPr lang="en-US" smtClean="0"/>
-              <a:t>9/14/2023</a:t>
+              <a:t>9/28/2023</a:t>
             </a:fld>
             <a:endParaRPr lang="en-US"/>
           </a:p>
@@ -6718,6 +6719,145 @@
       <p:bldP spid="27" grpId="0"/>
     </p:bldLst>
   </p:timing>
+</p:sld>
+</file>
+
+<file path=ppt/slides/slide6.xml><?xml version="1.0" encoding="utf-8"?>
+<p:sld xmlns:a="http://schemas.openxmlformats.org/drawingml/2006/main" xmlns:r="http://schemas.openxmlformats.org/officeDocument/2006/relationships" xmlns:p="http://schemas.openxmlformats.org/presentationml/2006/main">
+  <p:cSld>
+    <p:spTree>
+      <p:nvGrpSpPr>
+        <p:cNvPr id="1" name=""/>
+        <p:cNvGrpSpPr/>
+        <p:nvPr/>
+      </p:nvGrpSpPr>
+      <p:grpSpPr>
+        <a:xfrm>
+          <a:off x="0" y="0"/>
+          <a:ext cx="0" cy="0"/>
+          <a:chOff x="0" y="0"/>
+          <a:chExt cx="0" cy="0"/>
+        </a:xfrm>
+      </p:grpSpPr>
+      <p:sp>
+        <p:nvSpPr>
+          <p:cNvPr id="2" name="Date Placeholder 1">
+            <a:extLst>
+              <a:ext uri="{FF2B5EF4-FFF2-40B4-BE49-F238E27FC236}">
+                <a16:creationId xmlns:a16="http://schemas.microsoft.com/office/drawing/2014/main" id="{6ACBAA38-B0F1-D25D-3614-06DC262B32BC}"/>
+              </a:ext>
+            </a:extLst>
+          </p:cNvPr>
+          <p:cNvSpPr>
+            <a:spLocks noGrp="1"/>
+          </p:cNvSpPr>
+          <p:nvPr>
+            <p:ph type="dt" sz="half" idx="10"/>
+          </p:nvPr>
+        </p:nvSpPr>
+        <p:spPr/>
+        <p:txBody>
+          <a:bodyPr/>
+          <a:lstStyle/>
+          <a:p>
+            <a:r>
+              <a:rPr lang="en-US"/>
+              <a:t>By: Riham Muneer Katout</a:t>
+            </a:r>
+          </a:p>
+        </p:txBody>
+      </p:sp>
+      <p:sp>
+        <p:nvSpPr>
+          <p:cNvPr id="3" name="Slide Number Placeholder 2">
+            <a:extLst>
+              <a:ext uri="{FF2B5EF4-FFF2-40B4-BE49-F238E27FC236}">
+                <a16:creationId xmlns:a16="http://schemas.microsoft.com/office/drawing/2014/main" id="{A08FD15E-E8A6-32C1-DCA5-CBC5CBEFC962}"/>
+              </a:ext>
+            </a:extLst>
+          </p:cNvPr>
+          <p:cNvSpPr>
+            <a:spLocks noGrp="1"/>
+          </p:cNvSpPr>
+          <p:nvPr>
+            <p:ph type="sldNum" sz="quarter" idx="12"/>
+          </p:nvPr>
+        </p:nvSpPr>
+        <p:spPr/>
+        <p:txBody>
+          <a:bodyPr/>
+          <a:lstStyle/>
+          <a:p>
+            <a:fld id="{3C19BDA9-2901-49C8-A8E5-942BE4CA4E52}" type="slidenum">
+              <a:rPr lang="en-US" smtClean="0"/>
+              <a:t>6</a:t>
+            </a:fld>
+            <a:endParaRPr lang="en-US"/>
+          </a:p>
+        </p:txBody>
+      </p:sp>
+      <p:pic>
+        <p:nvPicPr>
+          <p:cNvPr id="5" name="Picture 4">
+            <a:extLst>
+              <a:ext uri="{FF2B5EF4-FFF2-40B4-BE49-F238E27FC236}">
+                <a16:creationId xmlns:a16="http://schemas.microsoft.com/office/drawing/2014/main" id="{72E38094-33EA-2528-3C27-D8E25313D93D}"/>
+              </a:ext>
+            </a:extLst>
+          </p:cNvPr>
+          <p:cNvPicPr>
+            <a:picLocks noChangeAspect="1"/>
+          </p:cNvPicPr>
+          <p:nvPr/>
+        </p:nvPicPr>
+        <p:blipFill rotWithShape="1">
+          <a:blip r:embed="rId2">
+            <a:extLst>
+              <a:ext uri="{BEBA8EAE-BF5A-486C-A8C5-ECC9F3942E4B}">
+                <a14:imgProps xmlns:a14="http://schemas.microsoft.com/office/drawing/2010/main">
+                  <a14:imgLayer r:embed="rId3">
+                    <a14:imgEffect>
+                      <a14:colorTemperature colorTemp="11500"/>
+                    </a14:imgEffect>
+                    <a14:imgEffect>
+                      <a14:saturation sat="0"/>
+                    </a14:imgEffect>
+                    <a14:imgEffect>
+                      <a14:brightnessContrast bright="30000" contrast="25000"/>
+                    </a14:imgEffect>
+                  </a14:imgLayer>
+                </a14:imgProps>
+              </a:ext>
+            </a:extLst>
+          </a:blip>
+          <a:srcRect l="5855"/>
+          <a:stretch/>
+        </p:blipFill>
+        <p:spPr>
+          <a:xfrm>
+            <a:off x="3800475" y="1103820"/>
+            <a:ext cx="3982040" cy="3877216"/>
+          </a:xfrm>
+          <a:prstGeom prst="rect">
+            <a:avLst/>
+          </a:prstGeom>
+          <a:solidFill>
+            <a:schemeClr val="bg1">
+              <a:alpha val="0"/>
+            </a:schemeClr>
+          </a:solidFill>
+        </p:spPr>
+      </p:pic>
+    </p:spTree>
+    <p:extLst>
+      <p:ext uri="{BB962C8B-B14F-4D97-AF65-F5344CB8AC3E}">
+        <p14:creationId xmlns:p14="http://schemas.microsoft.com/office/powerpoint/2010/main" val="1048764936"/>
+      </p:ext>
+    </p:extLst>
+  </p:cSld>
+  <p:clrMapOvr>
+    <a:masterClrMapping/>
+  </p:clrMapOvr>
 </p:sld>
 </file>
 
